--- a/docs/Cuộc thi đua xe tự hành.pptx
+++ b/docs/Cuộc thi đua xe tự hành.pptx
@@ -263,7 +263,7 @@
           <a:p>
             <a:fld id="{EF2BB114-2F71-482F-8BD7-6408A5B0F2D6}" type="datetimeFigureOut">
               <a:rPr lang="en-US" smtClean="0"/>
-              <a:t>2/10/2023</a:t>
+              <a:t>2/11/2023</a:t>
             </a:fld>
             <a:endParaRPr lang="en-US"/>
           </a:p>
@@ -461,7 +461,7 @@
           <a:p>
             <a:fld id="{EF2BB114-2F71-482F-8BD7-6408A5B0F2D6}" type="datetimeFigureOut">
               <a:rPr lang="en-US" smtClean="0"/>
-              <a:t>2/10/2023</a:t>
+              <a:t>2/11/2023</a:t>
             </a:fld>
             <a:endParaRPr lang="en-US"/>
           </a:p>
@@ -669,7 +669,7 @@
           <a:p>
             <a:fld id="{EF2BB114-2F71-482F-8BD7-6408A5B0F2D6}" type="datetimeFigureOut">
               <a:rPr lang="en-US" smtClean="0"/>
-              <a:t>2/10/2023</a:t>
+              <a:t>2/11/2023</a:t>
             </a:fld>
             <a:endParaRPr lang="en-US"/>
           </a:p>
@@ -867,7 +867,7 @@
           <a:p>
             <a:fld id="{EF2BB114-2F71-482F-8BD7-6408A5B0F2D6}" type="datetimeFigureOut">
               <a:rPr lang="en-US" smtClean="0"/>
-              <a:t>2/10/2023</a:t>
+              <a:t>2/11/2023</a:t>
             </a:fld>
             <a:endParaRPr lang="en-US"/>
           </a:p>
@@ -1142,7 +1142,7 @@
           <a:p>
             <a:fld id="{EF2BB114-2F71-482F-8BD7-6408A5B0F2D6}" type="datetimeFigureOut">
               <a:rPr lang="en-US" smtClean="0"/>
-              <a:t>2/10/2023</a:t>
+              <a:t>2/11/2023</a:t>
             </a:fld>
             <a:endParaRPr lang="en-US"/>
           </a:p>
@@ -1407,7 +1407,7 @@
           <a:p>
             <a:fld id="{EF2BB114-2F71-482F-8BD7-6408A5B0F2D6}" type="datetimeFigureOut">
               <a:rPr lang="en-US" smtClean="0"/>
-              <a:t>2/10/2023</a:t>
+              <a:t>2/11/2023</a:t>
             </a:fld>
             <a:endParaRPr lang="en-US"/>
           </a:p>
@@ -1819,7 +1819,7 @@
           <a:p>
             <a:fld id="{EF2BB114-2F71-482F-8BD7-6408A5B0F2D6}" type="datetimeFigureOut">
               <a:rPr lang="en-US" smtClean="0"/>
-              <a:t>2/10/2023</a:t>
+              <a:t>2/11/2023</a:t>
             </a:fld>
             <a:endParaRPr lang="en-US"/>
           </a:p>
@@ -1960,7 +1960,7 @@
           <a:p>
             <a:fld id="{EF2BB114-2F71-482F-8BD7-6408A5B0F2D6}" type="datetimeFigureOut">
               <a:rPr lang="en-US" smtClean="0"/>
-              <a:t>2/10/2023</a:t>
+              <a:t>2/11/2023</a:t>
             </a:fld>
             <a:endParaRPr lang="en-US"/>
           </a:p>
@@ -2073,7 +2073,7 @@
           <a:p>
             <a:fld id="{EF2BB114-2F71-482F-8BD7-6408A5B0F2D6}" type="datetimeFigureOut">
               <a:rPr lang="en-US" smtClean="0"/>
-              <a:t>2/10/2023</a:t>
+              <a:t>2/11/2023</a:t>
             </a:fld>
             <a:endParaRPr lang="en-US"/>
           </a:p>
@@ -2384,7 +2384,7 @@
           <a:p>
             <a:fld id="{EF2BB114-2F71-482F-8BD7-6408A5B0F2D6}" type="datetimeFigureOut">
               <a:rPr lang="en-US" smtClean="0"/>
-              <a:t>2/10/2023</a:t>
+              <a:t>2/11/2023</a:t>
             </a:fld>
             <a:endParaRPr lang="en-US"/>
           </a:p>
@@ -2672,7 +2672,7 @@
           <a:p>
             <a:fld id="{EF2BB114-2F71-482F-8BD7-6408A5B0F2D6}" type="datetimeFigureOut">
               <a:rPr lang="en-US" smtClean="0"/>
-              <a:t>2/10/2023</a:t>
+              <a:t>2/11/2023</a:t>
             </a:fld>
             <a:endParaRPr lang="en-US"/>
           </a:p>
@@ -2913,7 +2913,7 @@
           <a:p>
             <a:fld id="{EF2BB114-2F71-482F-8BD7-6408A5B0F2D6}" type="datetimeFigureOut">
               <a:rPr lang="en-US" smtClean="0"/>
-              <a:t>2/10/2023</a:t>
+              <a:t>2/11/2023</a:t>
             </a:fld>
             <a:endParaRPr lang="en-US"/>
           </a:p>
@@ -4598,10 +4598,10 @@
         </p:nvGrpSpPr>
         <p:grpSpPr>
           <a:xfrm>
-            <a:off x="746001" y="4469376"/>
-            <a:ext cx="11115566" cy="2259579"/>
-            <a:chOff x="583441" y="2058438"/>
-            <a:chExt cx="11115566" cy="2259579"/>
+            <a:off x="746001" y="4469375"/>
+            <a:ext cx="11115566" cy="2259580"/>
+            <a:chOff x="583441" y="2058437"/>
+            <a:chExt cx="11115566" cy="2259580"/>
           </a:xfrm>
         </p:grpSpPr>
         <p:grpSp>
@@ -4618,10 +4618,10 @@
           </p:nvGrpSpPr>
           <p:grpSpPr>
             <a:xfrm>
-              <a:off x="583441" y="2058438"/>
-              <a:ext cx="11115566" cy="2259579"/>
-              <a:chOff x="471777" y="847184"/>
-              <a:chExt cx="11105029" cy="2257437"/>
+              <a:off x="583441" y="2058437"/>
+              <a:ext cx="11115566" cy="2259580"/>
+              <a:chOff x="471777" y="847183"/>
+              <a:chExt cx="11105029" cy="2257438"/>
             </a:xfrm>
           </p:grpSpPr>
           <p:grpSp>
@@ -4638,10 +4638,10 @@
             </p:nvGrpSpPr>
             <p:grpSpPr>
               <a:xfrm>
-                <a:off x="471777" y="847184"/>
-                <a:ext cx="11105029" cy="1757563"/>
+                <a:off x="471777" y="847183"/>
+                <a:ext cx="11105029" cy="409595"/>
                 <a:chOff x="666648" y="936494"/>
-                <a:chExt cx="11123646" cy="1760509"/>
+                <a:chExt cx="11123646" cy="410282"/>
               </a:xfrm>
             </p:grpSpPr>
             <p:sp>
@@ -4871,52 +4871,6 @@
                 </a:p>
               </p:txBody>
             </p:sp>
-            <p:pic>
-              <p:nvPicPr>
-                <p:cNvPr id="33" name="Picture 32">
-                  <a:extLst>
-                    <a:ext uri="{FF2B5EF4-FFF2-40B4-BE49-F238E27FC236}">
-                      <a16:creationId xmlns:a16="http://schemas.microsoft.com/office/drawing/2014/main" id="{90CA4D31-87C3-9606-BF9C-D86C76280CA2}"/>
-                    </a:ext>
-                  </a:extLst>
-                </p:cNvPr>
-                <p:cNvPicPr>
-                  <a:picLocks noChangeAspect="1"/>
-                </p:cNvPicPr>
-                <p:nvPr/>
-              </p:nvPicPr>
-              <p:blipFill>
-                <a:blip r:embed="rId2">
-                  <a:extLst>
-                    <a:ext uri="{28A0092B-C50C-407E-A947-70E740481C1C}">
-                      <a14:useLocalDpi xmlns:a14="http://schemas.microsoft.com/office/drawing/2010/main" val="0"/>
-                    </a:ext>
-                  </a:extLst>
-                </a:blip>
-                <a:stretch>
-                  <a:fillRect/>
-                </a:stretch>
-              </p:blipFill>
-              <p:spPr>
-                <a:xfrm>
-                  <a:off x="9556527" y="1580119"/>
-                  <a:ext cx="2233767" cy="1116884"/>
-                </a:xfrm>
-                <a:prstGeom prst="rect">
-                  <a:avLst/>
-                </a:prstGeom>
-                <a:ln>
-                  <a:noFill/>
-                </a:ln>
-                <a:effectLst>
-                  <a:outerShdw blurRad="190500" algn="tl" rotWithShape="0">
-                    <a:srgbClr val="000000">
-                      <a:alpha val="70000"/>
-                    </a:srgbClr>
-                  </a:outerShdw>
-                </a:effectLst>
-              </p:spPr>
-            </p:pic>
           </p:grpSp>
           <p:pic>
             <p:nvPicPr>
@@ -4933,7 +4887,7 @@
               <p:nvPr/>
             </p:nvPicPr>
             <p:blipFill>
-              <a:blip r:embed="rId3">
+              <a:blip r:embed="rId2">
                 <a:extLst>
                   <a:ext uri="{28A0092B-C50C-407E-A947-70E740481C1C}">
                     <a14:useLocalDpi xmlns:a14="http://schemas.microsoft.com/office/drawing/2010/main" val="0"/>
@@ -5265,7 +5219,7 @@
             <p:nvPr/>
           </p:nvPicPr>
           <p:blipFill>
-            <a:blip r:embed="rId4">
+            <a:blip r:embed="rId3">
               <a:extLst>
                 <a:ext uri="{28A0092B-C50C-407E-A947-70E740481C1C}">
                   <a14:useLocalDpi xmlns:a14="http://schemas.microsoft.com/office/drawing/2010/main" val="0"/>
@@ -5311,7 +5265,7 @@
             <p:nvPr/>
           </p:nvPicPr>
           <p:blipFill>
-            <a:blip r:embed="rId5">
+            <a:blip r:embed="rId4">
               <a:extLst>
                 <a:ext uri="{28A0092B-C50C-407E-A947-70E740481C1C}">
                   <a14:useLocalDpi xmlns:a14="http://schemas.microsoft.com/office/drawing/2010/main" val="0"/>
@@ -5478,7 +5432,7 @@
             <p:nvPr/>
           </p:nvPicPr>
           <p:blipFill rotWithShape="1">
-            <a:blip r:embed="rId6">
+            <a:blip r:embed="rId5">
               <a:extLst>
                 <a:ext uri="{28A0092B-C50C-407E-A947-70E740481C1C}">
                   <a14:useLocalDpi xmlns:a14="http://schemas.microsoft.com/office/drawing/2010/main" val="0"/>
@@ -5617,97 +5571,6 @@
           </p:txBody>
         </p:sp>
       </p:grpSp>
-      <p:pic>
-        <p:nvPicPr>
-          <p:cNvPr id="23" name="Picture 22" descr="A road with trees on the side&#10;&#10;Description automatically generated with medium confidence">
-            <a:extLst>
-              <a:ext uri="{FF2B5EF4-FFF2-40B4-BE49-F238E27FC236}">
-                <a16:creationId xmlns:a16="http://schemas.microsoft.com/office/drawing/2014/main" id="{199B1F29-50D6-8007-328F-11BA5AF62F56}"/>
-              </a:ext>
-            </a:extLst>
-          </p:cNvPr>
-          <p:cNvPicPr>
-            <a:picLocks noChangeAspect="1"/>
-          </p:cNvPicPr>
-          <p:nvPr/>
-        </p:nvPicPr>
-        <p:blipFill>
-          <a:blip r:embed="rId7">
-            <a:extLst>
-              <a:ext uri="{28A0092B-C50C-407E-A947-70E740481C1C}">
-                <a14:useLocalDpi xmlns:a14="http://schemas.microsoft.com/office/drawing/2010/main" val="0"/>
-              </a:ext>
-            </a:extLst>
-          </a:blip>
-          <a:stretch>
-            <a:fillRect/>
-          </a:stretch>
-        </p:blipFill>
-        <p:spPr>
-          <a:xfrm>
-            <a:off x="690430" y="5097724"/>
-            <a:ext cx="2102085" cy="1182423"/>
-          </a:xfrm>
-          <a:prstGeom prst="rect">
-            <a:avLst/>
-          </a:prstGeom>
-          <a:ln>
-            <a:noFill/>
-          </a:ln>
-          <a:effectLst>
-            <a:outerShdw blurRad="190500" algn="tl" rotWithShape="0">
-              <a:srgbClr val="000000">
-                <a:alpha val="70000"/>
-              </a:srgbClr>
-            </a:outerShdw>
-          </a:effectLst>
-        </p:spPr>
-      </p:pic>
-      <p:pic>
-        <p:nvPicPr>
-          <p:cNvPr id="13" name="Picture 12" descr="A road with trees on the side&#10;&#10;Description automatically generated with medium confidence">
-            <a:extLst>
-              <a:ext uri="{FF2B5EF4-FFF2-40B4-BE49-F238E27FC236}">
-                <a16:creationId xmlns:a16="http://schemas.microsoft.com/office/drawing/2014/main" id="{5E79B8B9-5855-5D84-A4EC-431B8D96EBC3}"/>
-              </a:ext>
-            </a:extLst>
-          </p:cNvPr>
-          <p:cNvPicPr>
-            <a:picLocks noChangeAspect="1"/>
-          </p:cNvPicPr>
-          <p:nvPr/>
-        </p:nvPicPr>
-        <p:blipFill rotWithShape="1">
-          <a:blip r:embed="rId7">
-            <a:extLst>
-              <a:ext uri="{28A0092B-C50C-407E-A947-70E740481C1C}">
-                <a14:useLocalDpi xmlns:a14="http://schemas.microsoft.com/office/drawing/2010/main" val="0"/>
-              </a:ext>
-            </a:extLst>
-          </a:blip>
-          <a:srcRect t="53285"/>
-          <a:stretch/>
-        </p:blipFill>
-        <p:spPr>
-          <a:xfrm>
-            <a:off x="3385490" y="5119151"/>
-            <a:ext cx="2102085" cy="1160996"/>
-          </a:xfrm>
-          <a:prstGeom prst="rect">
-            <a:avLst/>
-          </a:prstGeom>
-          <a:ln>
-            <a:noFill/>
-          </a:ln>
-          <a:effectLst>
-            <a:outerShdw blurRad="190500" algn="tl" rotWithShape="0">
-              <a:srgbClr val="000000">
-                <a:alpha val="70000"/>
-              </a:srgbClr>
-            </a:outerShdw>
-          </a:effectLst>
-        </p:spPr>
-      </p:pic>
       <p:sp>
         <p:nvSpPr>
           <p:cNvPr id="3" name="Right Triangle 2">
@@ -5769,11 +5632,11 @@
           <p:nvPr/>
         </p:nvPicPr>
         <p:blipFill>
-          <a:blip r:embed="rId8">
+          <a:blip r:embed="rId6">
             <a:extLst>
               <a:ext uri="{BEBA8EAE-BF5A-486C-A8C5-ECC9F3942E4B}">
                 <a14:imgProps xmlns:a14="http://schemas.microsoft.com/office/drawing/2010/main">
-                  <a14:imgLayer r:embed="rId9">
+                  <a14:imgLayer r:embed="rId7">
                     <a14:imgEffect>
                       <a14:backgroundRemoval t="8800" b="90000" l="10000" r="90000">
                         <a14:foregroundMark x1="37200" y1="41800" x2="25800" y2="54800"/>
@@ -5854,6 +5717,144 @@
           <a:prstGeom prst="rect">
             <a:avLst/>
           </a:prstGeom>
+        </p:spPr>
+      </p:pic>
+      <p:pic>
+        <p:nvPicPr>
+          <p:cNvPr id="15" name="Picture 14" descr="A road with trees on the side&#10;&#10;Description automatically generated with medium confidence">
+            <a:extLst>
+              <a:ext uri="{FF2B5EF4-FFF2-40B4-BE49-F238E27FC236}">
+                <a16:creationId xmlns:a16="http://schemas.microsoft.com/office/drawing/2014/main" id="{09199CE6-2CA6-856E-DB09-3A18D56086EB}"/>
+              </a:ext>
+            </a:extLst>
+          </p:cNvPr>
+          <p:cNvPicPr>
+            <a:picLocks noChangeAspect="1"/>
+          </p:cNvPicPr>
+          <p:nvPr/>
+        </p:nvPicPr>
+        <p:blipFill>
+          <a:blip r:embed="rId8">
+            <a:extLst>
+              <a:ext uri="{28A0092B-C50C-407E-A947-70E740481C1C}">
+                <a14:useLocalDpi xmlns:a14="http://schemas.microsoft.com/office/drawing/2010/main" val="0"/>
+              </a:ext>
+            </a:extLst>
+          </a:blip>
+          <a:stretch>
+            <a:fillRect/>
+          </a:stretch>
+        </p:blipFill>
+        <p:spPr>
+          <a:xfrm>
+            <a:off x="612461" y="5044071"/>
+            <a:ext cx="2318322" cy="1304056"/>
+          </a:xfrm>
+          <a:prstGeom prst="rect">
+            <a:avLst/>
+          </a:prstGeom>
+          <a:ln>
+            <a:noFill/>
+          </a:ln>
+          <a:effectLst>
+            <a:outerShdw blurRad="190500" algn="tl" rotWithShape="0">
+              <a:srgbClr val="000000">
+                <a:alpha val="70000"/>
+              </a:srgbClr>
+            </a:outerShdw>
+          </a:effectLst>
+        </p:spPr>
+      </p:pic>
+      <p:pic>
+        <p:nvPicPr>
+          <p:cNvPr id="8" name="Picture 7" descr="Graphical user interface, application&#10;&#10;Description automatically generated">
+            <a:extLst>
+              <a:ext uri="{FF2B5EF4-FFF2-40B4-BE49-F238E27FC236}">
+                <a16:creationId xmlns:a16="http://schemas.microsoft.com/office/drawing/2014/main" id="{86BB4EBA-66FD-AEDC-6A10-3474FD19F87A}"/>
+              </a:ext>
+            </a:extLst>
+          </p:cNvPr>
+          <p:cNvPicPr>
+            <a:picLocks noChangeAspect="1"/>
+          </p:cNvPicPr>
+          <p:nvPr/>
+        </p:nvPicPr>
+        <p:blipFill>
+          <a:blip r:embed="rId9">
+            <a:extLst>
+              <a:ext uri="{28A0092B-C50C-407E-A947-70E740481C1C}">
+                <a14:useLocalDpi xmlns:a14="http://schemas.microsoft.com/office/drawing/2010/main" val="0"/>
+              </a:ext>
+            </a:extLst>
+          </a:blip>
+          <a:stretch>
+            <a:fillRect/>
+          </a:stretch>
+        </p:blipFill>
+        <p:spPr>
+          <a:xfrm>
+            <a:off x="3238706" y="5051592"/>
+            <a:ext cx="2318322" cy="1296535"/>
+          </a:xfrm>
+          <a:prstGeom prst="rect">
+            <a:avLst/>
+          </a:prstGeom>
+          <a:ln>
+            <a:noFill/>
+          </a:ln>
+          <a:effectLst>
+            <a:outerShdw blurRad="190500" algn="tl" rotWithShape="0">
+              <a:srgbClr val="000000">
+                <a:alpha val="70000"/>
+              </a:srgbClr>
+            </a:outerShdw>
+          </a:effectLst>
+        </p:spPr>
+      </p:pic>
+      <p:pic>
+        <p:nvPicPr>
+          <p:cNvPr id="26" name="Picture 25" descr="A picture containing text, weapon, clipart&#10;&#10;Description automatically generated">
+            <a:extLst>
+              <a:ext uri="{FF2B5EF4-FFF2-40B4-BE49-F238E27FC236}">
+                <a16:creationId xmlns:a16="http://schemas.microsoft.com/office/drawing/2014/main" id="{10778606-8373-B523-3B97-D21644BE287C}"/>
+              </a:ext>
+            </a:extLst>
+          </p:cNvPr>
+          <p:cNvPicPr>
+            <a:picLocks noChangeAspect="1"/>
+          </p:cNvPicPr>
+          <p:nvPr/>
+        </p:nvPicPr>
+        <p:blipFill>
+          <a:blip r:embed="rId10">
+            <a:extLst>
+              <a:ext uri="{28A0092B-C50C-407E-A947-70E740481C1C}">
+                <a14:useLocalDpi xmlns:a14="http://schemas.microsoft.com/office/drawing/2010/main" val="0"/>
+              </a:ext>
+            </a:extLst>
+          </a:blip>
+          <a:stretch>
+            <a:fillRect/>
+          </a:stretch>
+        </p:blipFill>
+        <p:spPr>
+          <a:xfrm>
+            <a:off x="9553111" y="5071262"/>
+            <a:ext cx="2327396" cy="1276865"/>
+          </a:xfrm>
+          <a:prstGeom prst="rect">
+            <a:avLst/>
+          </a:prstGeom>
+          <a:ln>
+            <a:noFill/>
+          </a:ln>
+          <a:effectLst>
+            <a:outerShdw blurRad="190500" algn="tl" rotWithShape="0">
+              <a:srgbClr val="000000">
+                <a:alpha val="70000"/>
+              </a:srgbClr>
+            </a:outerShdw>
+          </a:effectLst>
         </p:spPr>
       </p:pic>
     </p:spTree>
@@ -8440,10 +8441,10 @@
           </p:nvGrpSpPr>
           <p:grpSpPr>
             <a:xfrm>
-              <a:off x="2690707" y="1578249"/>
-              <a:ext cx="8541243" cy="2702144"/>
-              <a:chOff x="2516956" y="1214248"/>
-              <a:chExt cx="9530139" cy="2748087"/>
+              <a:off x="2216536" y="1578249"/>
+              <a:ext cx="9015414" cy="2667114"/>
+              <a:chOff x="1987886" y="1214248"/>
+              <a:chExt cx="10059209" cy="2712462"/>
             </a:xfrm>
           </p:grpSpPr>
           <p:pic>
@@ -8465,7 +8466,7 @@
             </p:blipFill>
             <p:spPr>
               <a:xfrm>
-                <a:off x="2516956" y="2364355"/>
+                <a:off x="1987886" y="2328730"/>
                 <a:ext cx="1970843" cy="1597980"/>
               </a:xfrm>
               <a:prstGeom prst="rect">
@@ -9487,7 +9488,7 @@
           </p:nvSpPr>
           <p:spPr>
             <a:xfrm flipH="1">
-              <a:off x="1465324" y="2737093"/>
+              <a:off x="1228589" y="2732047"/>
               <a:ext cx="891005" cy="571695"/>
             </a:xfrm>
             <a:prstGeom prst="bentUpArrow">
@@ -9759,7 +9760,7 @@
           </p:nvSpPr>
           <p:spPr>
             <a:xfrm flipH="1" flipV="1">
-              <a:off x="1465323" y="3827654"/>
+              <a:off x="1228589" y="3824031"/>
               <a:ext cx="891005" cy="571695"/>
             </a:xfrm>
             <a:prstGeom prst="bentUpArrow">
@@ -9875,8 +9876,8 @@
         </p:nvSpPr>
         <p:spPr>
           <a:xfrm>
-            <a:off x="4413160" y="3168101"/>
-            <a:ext cx="734084" cy="409990"/>
+            <a:off x="3978843" y="3168101"/>
+            <a:ext cx="1168401" cy="409990"/>
           </a:xfrm>
           <a:prstGeom prst="leftArrow">
             <a:avLst/>
@@ -10123,6 +10124,41 @@
           </a:prstGeom>
         </p:spPr>
       </p:pic>
+      <p:sp>
+        <p:nvSpPr>
+          <p:cNvPr id="2" name="TextBox 1">
+            <a:extLst>
+              <a:ext uri="{FF2B5EF4-FFF2-40B4-BE49-F238E27FC236}">
+                <a16:creationId xmlns:a16="http://schemas.microsoft.com/office/drawing/2014/main" id="{B640D94E-7BE1-6D06-6BB2-9A1BD08043D0}"/>
+              </a:ext>
+            </a:extLst>
+          </p:cNvPr>
+          <p:cNvSpPr txBox="1"/>
+          <p:nvPr/>
+        </p:nvSpPr>
+        <p:spPr>
+          <a:xfrm>
+            <a:off x="3937317" y="2752422"/>
+            <a:ext cx="1527232" cy="369332"/>
+          </a:xfrm>
+          <a:prstGeom prst="rect">
+            <a:avLst/>
+          </a:prstGeom>
+          <a:noFill/>
+        </p:spPr>
+        <p:txBody>
+          <a:bodyPr wrap="square" rtlCol="0">
+            <a:spAutoFit/>
+          </a:bodyPr>
+          <a:lstStyle/>
+          <a:p>
+            <a:r>
+              <a:rPr lang="en-US" dirty="0"/>
+              <a:t>Segmentation</a:t>
+            </a:r>
+          </a:p>
+        </p:txBody>
+      </p:sp>
     </p:spTree>
     <p:extLst>
       <p:ext uri="{BB962C8B-B14F-4D97-AF65-F5344CB8AC3E}">
